--- a/IMPLEMENTACIJA UKKONENOVOG ALGORITMA.pptx
+++ b/IMPLEMENTACIJA UKKONENOVOG ALGORITMA.pptx
@@ -21,6 +21,10 @@
     <p:sldId id="269" r:id="rId15"/>
     <p:sldId id="270" r:id="rId16"/>
     <p:sldId id="271" r:id="rId17"/>
+    <p:sldId id="272" r:id="rId18"/>
+    <p:sldId id="273" r:id="rId19"/>
+    <p:sldId id="274" r:id="rId20"/>
+    <p:sldId id="275" r:id="rId21"/>
   </p:sldIdLst>
   <p:sldSz cx="12192000" cy="6858000"/>
   <p:notesSz cx="6858000" cy="9144000"/>
@@ -119,6 +123,22 @@
       </a:defRPr>
     </a:lvl9pPr>
   </p:defaultTextStyle>
+  <p:extLst>
+    <p:ext uri="{EFAFB233-063F-42B5-8137-9DF3F51BA10A}">
+      <p15:sldGuideLst xmlns:p15="http://schemas.microsoft.com/office/powerpoint/2012/main">
+        <p15:guide id="1" orient="horz" pos="2160">
+          <p15:clr>
+            <a:srgbClr val="A4A3A4"/>
+          </p15:clr>
+        </p15:guide>
+        <p15:guide id="2" pos="3840">
+          <p15:clr>
+            <a:srgbClr val="A4A3A4"/>
+          </p15:clr>
+        </p15:guide>
+      </p15:sldGuideLst>
+    </p:ext>
+  </p:extLst>
 </p:presentation>
 </file>
 
@@ -253,7 +273,7 @@
           <a:p>
             <a:fld id="{6A094663-5ED9-416E-A43D-722CDD96389A}" type="datetimeFigureOut">
               <a:rPr lang="hr-HR" smtClean="0"/>
-              <a:t>14.1.2014.</a:t>
+              <a:t>16.1.2014.</a:t>
             </a:fld>
             <a:endParaRPr lang="hr-HR"/>
           </a:p>
@@ -423,7 +443,7 @@
           <a:p>
             <a:fld id="{6A094663-5ED9-416E-A43D-722CDD96389A}" type="datetimeFigureOut">
               <a:rPr lang="hr-HR" smtClean="0"/>
-              <a:t>14.1.2014.</a:t>
+              <a:t>16.1.2014.</a:t>
             </a:fld>
             <a:endParaRPr lang="hr-HR"/>
           </a:p>
@@ -603,7 +623,7 @@
           <a:p>
             <a:fld id="{6A094663-5ED9-416E-A43D-722CDD96389A}" type="datetimeFigureOut">
               <a:rPr lang="hr-HR" smtClean="0"/>
-              <a:t>14.1.2014.</a:t>
+              <a:t>16.1.2014.</a:t>
             </a:fld>
             <a:endParaRPr lang="hr-HR"/>
           </a:p>
@@ -773,7 +793,7 @@
           <a:p>
             <a:fld id="{6A094663-5ED9-416E-A43D-722CDD96389A}" type="datetimeFigureOut">
               <a:rPr lang="hr-HR" smtClean="0"/>
-              <a:t>14.1.2014.</a:t>
+              <a:t>16.1.2014.</a:t>
             </a:fld>
             <a:endParaRPr lang="hr-HR"/>
           </a:p>
@@ -1019,7 +1039,7 @@
           <a:p>
             <a:fld id="{6A094663-5ED9-416E-A43D-722CDD96389A}" type="datetimeFigureOut">
               <a:rPr lang="hr-HR" smtClean="0"/>
-              <a:t>14.1.2014.</a:t>
+              <a:t>16.1.2014.</a:t>
             </a:fld>
             <a:endParaRPr lang="hr-HR"/>
           </a:p>
@@ -1251,7 +1271,7 @@
           <a:p>
             <a:fld id="{6A094663-5ED9-416E-A43D-722CDD96389A}" type="datetimeFigureOut">
               <a:rPr lang="hr-HR" smtClean="0"/>
-              <a:t>14.1.2014.</a:t>
+              <a:t>16.1.2014.</a:t>
             </a:fld>
             <a:endParaRPr lang="hr-HR"/>
           </a:p>
@@ -1618,7 +1638,7 @@
           <a:p>
             <a:fld id="{6A094663-5ED9-416E-A43D-722CDD96389A}" type="datetimeFigureOut">
               <a:rPr lang="hr-HR" smtClean="0"/>
-              <a:t>14.1.2014.</a:t>
+              <a:t>16.1.2014.</a:t>
             </a:fld>
             <a:endParaRPr lang="hr-HR"/>
           </a:p>
@@ -1736,7 +1756,7 @@
           <a:p>
             <a:fld id="{6A094663-5ED9-416E-A43D-722CDD96389A}" type="datetimeFigureOut">
               <a:rPr lang="hr-HR" smtClean="0"/>
-              <a:t>14.1.2014.</a:t>
+              <a:t>16.1.2014.</a:t>
             </a:fld>
             <a:endParaRPr lang="hr-HR"/>
           </a:p>
@@ -1831,7 +1851,7 @@
           <a:p>
             <a:fld id="{6A094663-5ED9-416E-A43D-722CDD96389A}" type="datetimeFigureOut">
               <a:rPr lang="hr-HR" smtClean="0"/>
-              <a:t>14.1.2014.</a:t>
+              <a:t>16.1.2014.</a:t>
             </a:fld>
             <a:endParaRPr lang="hr-HR"/>
           </a:p>
@@ -2108,7 +2128,7 @@
           <a:p>
             <a:fld id="{6A094663-5ED9-416E-A43D-722CDD96389A}" type="datetimeFigureOut">
               <a:rPr lang="hr-HR" smtClean="0"/>
-              <a:t>14.1.2014.</a:t>
+              <a:t>16.1.2014.</a:t>
             </a:fld>
             <a:endParaRPr lang="hr-HR"/>
           </a:p>
@@ -2361,7 +2381,7 @@
           <a:p>
             <a:fld id="{6A094663-5ED9-416E-A43D-722CDD96389A}" type="datetimeFigureOut">
               <a:rPr lang="hr-HR" smtClean="0"/>
-              <a:t>14.1.2014.</a:t>
+              <a:t>16.1.2014.</a:t>
             </a:fld>
             <a:endParaRPr lang="hr-HR"/>
           </a:p>
@@ -2574,7 +2594,7 @@
           <a:p>
             <a:fld id="{6A094663-5ED9-416E-A43D-722CDD96389A}" type="datetimeFigureOut">
               <a:rPr lang="hr-HR" smtClean="0"/>
-              <a:t>14.1.2014.</a:t>
+              <a:t>16.1.2014.</a:t>
             </a:fld>
             <a:endParaRPr lang="hr-HR"/>
           </a:p>
@@ -2991,7 +3011,9 @@
         </p:nvSpPr>
         <p:spPr/>
         <p:txBody>
-          <a:bodyPr/>
+          <a:bodyPr>
+            <a:normAutofit/>
+          </a:bodyPr>
           <a:lstStyle/>
           <a:p>
             <a:r>
@@ -3024,8 +3046,29 @@
           <a:p>
             <a:r>
               <a:rPr lang="hr-HR" dirty="0" smtClean="0"/>
-              <a:t>Alen Agić</a:t>
-            </a:r>
+              <a:t>Alen </a:t>
+            </a:r>
+            <a:r>
+              <a:rPr lang="hr-HR" dirty="0" err="1" smtClean="0"/>
+              <a:t>Agić</a:t>
+            </a:r>
+            <a:r>
+              <a:rPr lang="hr-HR" dirty="0" smtClean="0"/>
+              <a:t>, Krunoslav </a:t>
+            </a:r>
+            <a:r>
+              <a:rPr lang="hr-HR" dirty="0" err="1" smtClean="0"/>
+              <a:t>Kolarec</a:t>
+            </a:r>
+            <a:r>
+              <a:rPr lang="hr-HR" dirty="0" smtClean="0"/>
+              <a:t>, Kristina </a:t>
+            </a:r>
+            <a:r>
+              <a:rPr lang="hr-HR" dirty="0" err="1" smtClean="0"/>
+              <a:t>Belčić</a:t>
+            </a:r>
+            <a:endParaRPr lang="hr-HR" dirty="0" smtClean="0"/>
           </a:p>
           <a:p>
             <a:r>
@@ -3134,15 +3177,7 @@
             </a:r>
             <a:r>
               <a:rPr lang="hr-HR" dirty="0" smtClean="0"/>
-              <a:t>8 </a:t>
-            </a:r>
-            <a:r>
-              <a:rPr lang="hr-HR" dirty="0" smtClean="0"/>
-              <a:t>→</a:t>
-            </a:r>
-            <a:r>
-              <a:rPr lang="hr-HR" dirty="0" smtClean="0"/>
-              <a:t> </a:t>
+              <a:t>8 → </a:t>
             </a:r>
             <a:r>
               <a:rPr lang="hr-HR" dirty="0"/>
@@ -4892,6 +4927,497 @@
 </p:sld>
 </file>
 
+<file path=ppt/slides/slide17.xml><?xml version="1.0" encoding="utf-8"?>
+<p:sld xmlns:a="http://schemas.openxmlformats.org/drawingml/2006/main" xmlns:r="http://schemas.openxmlformats.org/officeDocument/2006/relationships" xmlns:p="http://schemas.openxmlformats.org/presentationml/2006/main">
+  <p:cSld>
+    <p:spTree>
+      <p:nvGrpSpPr>
+        <p:cNvPr id="1" name=""/>
+        <p:cNvGrpSpPr/>
+        <p:nvPr/>
+      </p:nvGrpSpPr>
+      <p:grpSpPr>
+        <a:xfrm>
+          <a:off x="0" y="0"/>
+          <a:ext cx="0" cy="0"/>
+          <a:chOff x="0" y="0"/>
+          <a:chExt cx="0" cy="0"/>
+        </a:xfrm>
+      </p:grpSpPr>
+      <p:sp>
+        <p:nvSpPr>
+          <p:cNvPr id="2" name="Title 1"/>
+          <p:cNvSpPr>
+            <a:spLocks noGrp="1"/>
+          </p:cNvSpPr>
+          <p:nvPr>
+            <p:ph type="title"/>
+          </p:nvPr>
+        </p:nvSpPr>
+        <p:spPr/>
+        <p:txBody>
+          <a:bodyPr/>
+          <a:lstStyle/>
+          <a:p>
+            <a:r>
+              <a:rPr lang="hr-HR" dirty="0" smtClean="0"/>
+              <a:t>Implementacija</a:t>
+            </a:r>
+            <a:endParaRPr lang="hr-HR" dirty="0"/>
+          </a:p>
+        </p:txBody>
+      </p:sp>
+      <p:sp>
+        <p:nvSpPr>
+          <p:cNvPr id="3" name="Content Placeholder 2"/>
+          <p:cNvSpPr>
+            <a:spLocks noGrp="1"/>
+          </p:cNvSpPr>
+          <p:nvPr>
+            <p:ph idx="1"/>
+          </p:nvPr>
+        </p:nvSpPr>
+        <p:spPr/>
+        <p:txBody>
+          <a:bodyPr/>
+          <a:lstStyle/>
+          <a:p>
+            <a:r>
+              <a:rPr lang="hr-HR" dirty="0" smtClean="0"/>
+              <a:t>C++, memorijski </a:t>
+            </a:r>
+            <a:r>
+              <a:rPr lang="hr-HR" dirty="0" err="1" smtClean="0"/>
+              <a:t>nezahtjevna</a:t>
+            </a:r>
+            <a:r>
+              <a:rPr lang="hr-HR" dirty="0" smtClean="0"/>
+              <a:t>, brza izvedba – 101sec za niz od cca 500 000 slova, prikazani je </a:t>
+            </a:r>
+            <a:r>
+              <a:rPr lang="hr-HR" dirty="0" err="1" smtClean="0"/>
+              <a:t>abcabxabcd</a:t>
+            </a:r>
+            <a:r>
+              <a:rPr lang="hr-HR" dirty="0" smtClean="0"/>
+              <a:t> – 0.004 </a:t>
+            </a:r>
+            <a:r>
+              <a:rPr lang="hr-HR" dirty="0" err="1" smtClean="0"/>
+              <a:t>sec</a:t>
+            </a:r>
+            <a:r>
+              <a:rPr lang="hr-HR" dirty="0" smtClean="0"/>
+              <a:t>.</a:t>
+            </a:r>
+          </a:p>
+          <a:p>
+            <a:r>
+              <a:rPr lang="hr-HR" dirty="0" err="1" smtClean="0"/>
+              <a:t>Visual</a:t>
+            </a:r>
+            <a:r>
+              <a:rPr lang="hr-HR" dirty="0" smtClean="0"/>
+              <a:t> studio ograničava procesor na 50% snage </a:t>
+            </a:r>
+            <a:br>
+              <a:rPr lang="hr-HR" dirty="0" smtClean="0"/>
+            </a:br>
+            <a:endParaRPr lang="hr-HR" dirty="0" smtClean="0"/>
+          </a:p>
+          <a:p>
+            <a:endParaRPr lang="hr-HR" dirty="0"/>
+          </a:p>
+        </p:txBody>
+      </p:sp>
+      <p:pic>
+        <p:nvPicPr>
+          <p:cNvPr id="1027" name="Picture 1"/>
+          <p:cNvPicPr>
+            <a:picLocks noChangeAspect="1" noChangeArrowheads="1"/>
+          </p:cNvPicPr>
+          <p:nvPr/>
+        </p:nvPicPr>
+        <p:blipFill>
+          <a:blip r:embed="rId2">
+            <a:extLst>
+              <a:ext uri="{28A0092B-C50C-407E-A947-70E740481C1C}">
+                <a14:useLocalDpi xmlns:a14="http://schemas.microsoft.com/office/drawing/2010/main" val="0"/>
+              </a:ext>
+            </a:extLst>
+          </a:blip>
+          <a:srcRect/>
+          <a:stretch>
+            <a:fillRect/>
+          </a:stretch>
+        </p:blipFill>
+        <p:spPr bwMode="auto">
+          <a:xfrm>
+            <a:off x="1881690" y="3241258"/>
+            <a:ext cx="7545272" cy="3616742"/>
+          </a:xfrm>
+          <a:prstGeom prst="rect">
+            <a:avLst/>
+          </a:prstGeom>
+          <a:noFill/>
+          <a:ln>
+            <a:noFill/>
+          </a:ln>
+          <a:extLst>
+            <a:ext uri="{909E8E84-426E-40DD-AFC4-6F175D3DCCD1}">
+              <a14:hiddenFill xmlns:a14="http://schemas.microsoft.com/office/drawing/2010/main">
+                <a:solidFill>
+                  <a:srgbClr val="FFFFFF"/>
+                </a:solidFill>
+              </a14:hiddenFill>
+            </a:ext>
+            <a:ext uri="{91240B29-F687-4F45-9708-019B960494DF}">
+              <a14:hiddenLine xmlns:a14="http://schemas.microsoft.com/office/drawing/2010/main" w="9525">
+                <a:solidFill>
+                  <a:srgbClr val="000000"/>
+                </a:solidFill>
+                <a:miter lim="800000"/>
+                <a:headEnd/>
+                <a:tailEnd/>
+              </a14:hiddenLine>
+            </a:ext>
+          </a:extLst>
+        </p:spPr>
+      </p:pic>
+    </p:spTree>
+    <p:extLst>
+      <p:ext uri="{BB962C8B-B14F-4D97-AF65-F5344CB8AC3E}">
+        <p14:creationId xmlns:p14="http://schemas.microsoft.com/office/powerpoint/2010/main" val="672925697"/>
+      </p:ext>
+    </p:extLst>
+  </p:cSld>
+  <p:clrMapOvr>
+    <a:masterClrMapping/>
+  </p:clrMapOvr>
+  <p:timing>
+    <p:tnLst>
+      <p:par>
+        <p:cTn id="1" dur="indefinite" restart="never" nodeType="tmRoot"/>
+      </p:par>
+    </p:tnLst>
+  </p:timing>
+</p:sld>
+</file>
+
+<file path=ppt/slides/slide18.xml><?xml version="1.0" encoding="utf-8"?>
+<p:sld xmlns:a="http://schemas.openxmlformats.org/drawingml/2006/main" xmlns:r="http://schemas.openxmlformats.org/officeDocument/2006/relationships" xmlns:p="http://schemas.openxmlformats.org/presentationml/2006/main">
+  <p:cSld>
+    <p:spTree>
+      <p:nvGrpSpPr>
+        <p:cNvPr id="1" name=""/>
+        <p:cNvGrpSpPr/>
+        <p:nvPr/>
+      </p:nvGrpSpPr>
+      <p:grpSpPr>
+        <a:xfrm>
+          <a:off x="0" y="0"/>
+          <a:ext cx="0" cy="0"/>
+          <a:chOff x="0" y="0"/>
+          <a:chExt cx="0" cy="0"/>
+        </a:xfrm>
+      </p:grpSpPr>
+      <p:sp>
+        <p:nvSpPr>
+          <p:cNvPr id="2" name="Title 1"/>
+          <p:cNvSpPr>
+            <a:spLocks noGrp="1"/>
+          </p:cNvSpPr>
+          <p:nvPr>
+            <p:ph type="title"/>
+          </p:nvPr>
+        </p:nvSpPr>
+        <p:spPr/>
+        <p:txBody>
+          <a:bodyPr/>
+          <a:lstStyle/>
+          <a:p>
+            <a:r>
+              <a:rPr lang="hr-HR" dirty="0" smtClean="0"/>
+              <a:t>Implementacija - Java</a:t>
+            </a:r>
+            <a:endParaRPr lang="hr-HR" dirty="0"/>
+          </a:p>
+        </p:txBody>
+      </p:sp>
+      <p:sp>
+        <p:nvSpPr>
+          <p:cNvPr id="3" name="Content Placeholder 2"/>
+          <p:cNvSpPr>
+            <a:spLocks noGrp="1"/>
+          </p:cNvSpPr>
+          <p:nvPr>
+            <p:ph idx="1"/>
+          </p:nvPr>
+        </p:nvSpPr>
+        <p:spPr/>
+        <p:txBody>
+          <a:bodyPr/>
+          <a:lstStyle/>
+          <a:p>
+            <a:r>
+              <a:rPr lang="hr-HR" dirty="0" smtClean="0"/>
+              <a:t>niz </a:t>
+            </a:r>
+            <a:r>
+              <a:rPr lang="hr-HR" dirty="0" err="1" smtClean="0"/>
+              <a:t>abcabxabcd</a:t>
+            </a:r>
+            <a:r>
+              <a:rPr lang="hr-HR" dirty="0" smtClean="0"/>
+              <a:t>$:        -&gt; </a:t>
+            </a:r>
+            <a:r>
+              <a:rPr lang="hr-HR" dirty="0"/>
+              <a:t>0.002064508 </a:t>
+            </a:r>
+            <a:r>
+              <a:rPr lang="hr-HR" dirty="0" smtClean="0"/>
+              <a:t>s</a:t>
+            </a:r>
+          </a:p>
+          <a:p>
+            <a:r>
+              <a:rPr lang="hr-HR" dirty="0"/>
+              <a:t>n</a:t>
+            </a:r>
+            <a:r>
+              <a:rPr lang="hr-HR" dirty="0" smtClean="0"/>
+              <a:t>iz 500000 znakova:  </a:t>
+            </a:r>
+          </a:p>
+          <a:p>
+            <a:r>
+              <a:rPr lang="hr-HR" dirty="0" smtClean="0"/>
+              <a:t>Za </a:t>
+            </a:r>
+            <a:r>
+              <a:rPr lang="hr-HR" dirty="0" smtClean="0"/>
+              <a:t>veće nizove</a:t>
+            </a:r>
+          </a:p>
+          <a:p>
+            <a:pPr marL="0" indent="0">
+              <a:buNone/>
+            </a:pPr>
+            <a:r>
+              <a:rPr lang="hr-HR" dirty="0"/>
+              <a:t>p</a:t>
+            </a:r>
+            <a:r>
+              <a:rPr lang="hr-HR" dirty="0" smtClean="0"/>
+              <a:t>roblemi s</a:t>
+            </a:r>
+          </a:p>
+          <a:p>
+            <a:pPr marL="0" indent="0">
+              <a:buNone/>
+            </a:pPr>
+            <a:r>
+              <a:rPr lang="hr-HR" dirty="0" smtClean="0"/>
+              <a:t>memorijom</a:t>
+            </a:r>
+            <a:endParaRPr lang="hr-HR" dirty="0"/>
+          </a:p>
+        </p:txBody>
+      </p:sp>
+      <p:pic>
+        <p:nvPicPr>
+          <p:cNvPr id="1026" name="Picture 2"/>
+          <p:cNvPicPr>
+            <a:picLocks noChangeAspect="1" noChangeArrowheads="1"/>
+          </p:cNvPicPr>
+          <p:nvPr/>
+        </p:nvPicPr>
+        <p:blipFill>
+          <a:blip r:embed="rId2">
+            <a:extLst>
+              <a:ext uri="{28A0092B-C50C-407E-A947-70E740481C1C}">
+                <a14:useLocalDpi xmlns:a14="http://schemas.microsoft.com/office/drawing/2010/main" val="0"/>
+              </a:ext>
+            </a:extLst>
+          </a:blip>
+          <a:srcRect/>
+          <a:stretch>
+            <a:fillRect/>
+          </a:stretch>
+        </p:blipFill>
+        <p:spPr bwMode="auto">
+          <a:xfrm>
+            <a:off x="4166886" y="2803332"/>
+            <a:ext cx="8025114" cy="4054668"/>
+          </a:xfrm>
+          <a:prstGeom prst="rect">
+            <a:avLst/>
+          </a:prstGeom>
+          <a:noFill/>
+          <a:ln>
+            <a:noFill/>
+          </a:ln>
+          <a:effectLst/>
+          <a:extLst>
+            <a:ext uri="{909E8E84-426E-40DD-AFC4-6F175D3DCCD1}">
+              <a14:hiddenFill xmlns:a14="http://schemas.microsoft.com/office/drawing/2010/main">
+                <a:solidFill>
+                  <a:schemeClr val="accent1"/>
+                </a:solidFill>
+              </a14:hiddenFill>
+            </a:ext>
+            <a:ext uri="{91240B29-F687-4F45-9708-019B960494DF}">
+              <a14:hiddenLine xmlns:a14="http://schemas.microsoft.com/office/drawing/2010/main" w="9525">
+                <a:solidFill>
+                  <a:schemeClr val="tx1"/>
+                </a:solidFill>
+                <a:miter lim="800000"/>
+                <a:headEnd/>
+                <a:tailEnd/>
+              </a14:hiddenLine>
+            </a:ext>
+            <a:ext uri="{AF507438-7753-43E0-B8FC-AC1667EBCBE1}">
+              <a14:hiddenEffects xmlns:a14="http://schemas.microsoft.com/office/drawing/2010/main">
+                <a:effectLst>
+                  <a:outerShdw dist="35921" dir="2700000" algn="ctr" rotWithShape="0">
+                    <a:schemeClr val="bg2"/>
+                  </a:outerShdw>
+                </a:effectLst>
+              </a14:hiddenEffects>
+            </a:ext>
+          </a:extLst>
+        </p:spPr>
+      </p:pic>
+    </p:spTree>
+    <p:extLst>
+      <p:ext uri="{BB962C8B-B14F-4D97-AF65-F5344CB8AC3E}">
+        <p14:creationId xmlns:p14="http://schemas.microsoft.com/office/powerpoint/2010/main" val="158195242"/>
+      </p:ext>
+    </p:extLst>
+  </p:cSld>
+  <p:clrMapOvr>
+    <a:masterClrMapping/>
+  </p:clrMapOvr>
+  <p:timing>
+    <p:tnLst>
+      <p:par>
+        <p:cTn id="1" dur="indefinite" restart="never" nodeType="tmRoot"/>
+      </p:par>
+    </p:tnLst>
+  </p:timing>
+</p:sld>
+</file>
+
+<file path=ppt/slides/slide19.xml><?xml version="1.0" encoding="utf-8"?>
+<p:sld xmlns:a="http://schemas.openxmlformats.org/drawingml/2006/main" xmlns:r="http://schemas.openxmlformats.org/officeDocument/2006/relationships" xmlns:p="http://schemas.openxmlformats.org/presentationml/2006/main">
+  <p:cSld>
+    <p:spTree>
+      <p:nvGrpSpPr>
+        <p:cNvPr id="1" name=""/>
+        <p:cNvGrpSpPr/>
+        <p:nvPr/>
+      </p:nvGrpSpPr>
+      <p:grpSpPr>
+        <a:xfrm>
+          <a:off x="0" y="0"/>
+          <a:ext cx="0" cy="0"/>
+          <a:chOff x="0" y="0"/>
+          <a:chExt cx="0" cy="0"/>
+        </a:xfrm>
+      </p:grpSpPr>
+      <p:sp>
+        <p:nvSpPr>
+          <p:cNvPr id="2" name="Title 1"/>
+          <p:cNvSpPr>
+            <a:spLocks noGrp="1"/>
+          </p:cNvSpPr>
+          <p:nvPr>
+            <p:ph type="title"/>
+          </p:nvPr>
+        </p:nvSpPr>
+        <p:spPr/>
+        <p:txBody>
+          <a:bodyPr/>
+          <a:lstStyle/>
+          <a:p>
+            <a:r>
+              <a:rPr lang="hr-HR" dirty="0" smtClean="0"/>
+              <a:t>Zaključak	</a:t>
+            </a:r>
+            <a:endParaRPr lang="hr-HR" dirty="0"/>
+          </a:p>
+        </p:txBody>
+      </p:sp>
+      <p:sp>
+        <p:nvSpPr>
+          <p:cNvPr id="3" name="Content Placeholder 2"/>
+          <p:cNvSpPr>
+            <a:spLocks noGrp="1"/>
+          </p:cNvSpPr>
+          <p:nvPr>
+            <p:ph idx="1"/>
+          </p:nvPr>
+        </p:nvSpPr>
+        <p:spPr/>
+        <p:txBody>
+          <a:bodyPr/>
+          <a:lstStyle/>
+          <a:p>
+            <a:r>
+              <a:rPr lang="hr-HR" dirty="0" smtClean="0"/>
+              <a:t>Vrlo složen algoritam</a:t>
+            </a:r>
+          </a:p>
+          <a:p>
+            <a:r>
+              <a:rPr lang="hr-HR" dirty="0" smtClean="0"/>
+              <a:t>Mnogo grešaka u našim programima</a:t>
+            </a:r>
+          </a:p>
+          <a:p>
+            <a:r>
+              <a:rPr lang="hr-HR" dirty="0" smtClean="0"/>
+              <a:t>Teško implementirati</a:t>
+            </a:r>
+            <a:endParaRPr lang="hr-HR" dirty="0"/>
+          </a:p>
+          <a:p>
+            <a:r>
+              <a:rPr lang="hr-HR" dirty="0" smtClean="0"/>
+              <a:t>Vrlo brz i koristan za raznorazne primjene u </a:t>
+            </a:r>
+            <a:r>
+              <a:rPr lang="hr-HR" dirty="0" err="1" smtClean="0"/>
+              <a:t>bioinformatici</a:t>
+            </a:r>
+            <a:r>
+              <a:rPr lang="hr-HR" dirty="0" smtClean="0"/>
+              <a:t> i šire</a:t>
+            </a:r>
+          </a:p>
+        </p:txBody>
+      </p:sp>
+    </p:spTree>
+    <p:extLst>
+      <p:ext uri="{BB962C8B-B14F-4D97-AF65-F5344CB8AC3E}">
+        <p14:creationId xmlns:p14="http://schemas.microsoft.com/office/powerpoint/2010/main" val="4072477492"/>
+      </p:ext>
+    </p:extLst>
+  </p:cSld>
+  <p:clrMapOvr>
+    <a:masterClrMapping/>
+  </p:clrMapOvr>
+  <p:timing>
+    <p:tnLst>
+      <p:par>
+        <p:cTn id="1" dur="indefinite" restart="never" nodeType="tmRoot"/>
+      </p:par>
+    </p:tnLst>
+  </p:timing>
+</p:sld>
+</file>
+
 <file path=ppt/slides/slide2.xml><?xml version="1.0" encoding="utf-8"?>
 <p:sld xmlns:a="http://schemas.openxmlformats.org/drawingml/2006/main" xmlns:r="http://schemas.openxmlformats.org/officeDocument/2006/relationships" xmlns:p="http://schemas.openxmlformats.org/presentationml/2006/main">
   <p:cSld>
@@ -5028,6 +5554,85 @@
     <p:extLst>
       <p:ext uri="{BB962C8B-B14F-4D97-AF65-F5344CB8AC3E}">
         <p14:creationId xmlns:p14="http://schemas.microsoft.com/office/powerpoint/2010/main" val="2470458136"/>
+      </p:ext>
+    </p:extLst>
+  </p:cSld>
+  <p:clrMapOvr>
+    <a:masterClrMapping/>
+  </p:clrMapOvr>
+  <p:timing>
+    <p:tnLst>
+      <p:par>
+        <p:cTn id="1" dur="indefinite" restart="never" nodeType="tmRoot"/>
+      </p:par>
+    </p:tnLst>
+  </p:timing>
+</p:sld>
+</file>
+
+<file path=ppt/slides/slide20.xml><?xml version="1.0" encoding="utf-8"?>
+<p:sld xmlns:a="http://schemas.openxmlformats.org/drawingml/2006/main" xmlns:r="http://schemas.openxmlformats.org/officeDocument/2006/relationships" xmlns:p="http://schemas.openxmlformats.org/presentationml/2006/main">
+  <p:cSld>
+    <p:spTree>
+      <p:nvGrpSpPr>
+        <p:cNvPr id="1" name=""/>
+        <p:cNvGrpSpPr/>
+        <p:nvPr/>
+      </p:nvGrpSpPr>
+      <p:grpSpPr>
+        <a:xfrm>
+          <a:off x="0" y="0"/>
+          <a:ext cx="0" cy="0"/>
+          <a:chOff x="0" y="0"/>
+          <a:chExt cx="0" cy="0"/>
+        </a:xfrm>
+      </p:grpSpPr>
+      <p:sp>
+        <p:nvSpPr>
+          <p:cNvPr id="2" name="Title 1"/>
+          <p:cNvSpPr>
+            <a:spLocks noGrp="1"/>
+          </p:cNvSpPr>
+          <p:nvPr>
+            <p:ph type="ctrTitle"/>
+          </p:nvPr>
+        </p:nvSpPr>
+        <p:spPr/>
+        <p:txBody>
+          <a:bodyPr/>
+          <a:lstStyle/>
+          <a:p>
+            <a:r>
+              <a:rPr lang="hr-HR" dirty="0" smtClean="0"/>
+              <a:t>Hvala na pažnji</a:t>
+            </a:r>
+            <a:endParaRPr lang="hr-HR" dirty="0"/>
+          </a:p>
+        </p:txBody>
+      </p:sp>
+      <p:sp>
+        <p:nvSpPr>
+          <p:cNvPr id="3" name="Subtitle 2"/>
+          <p:cNvSpPr>
+            <a:spLocks noGrp="1"/>
+          </p:cNvSpPr>
+          <p:nvPr>
+            <p:ph type="subTitle" idx="1"/>
+          </p:nvPr>
+        </p:nvSpPr>
+        <p:spPr/>
+        <p:txBody>
+          <a:bodyPr/>
+          <a:lstStyle/>
+          <a:p>
+            <a:endParaRPr lang="hr-HR"/>
+          </a:p>
+        </p:txBody>
+      </p:sp>
+    </p:spTree>
+    <p:extLst>
+      <p:ext uri="{BB962C8B-B14F-4D97-AF65-F5344CB8AC3E}">
+        <p14:creationId xmlns:p14="http://schemas.microsoft.com/office/powerpoint/2010/main" val="1095107220"/>
       </p:ext>
     </p:extLst>
   </p:cSld>
@@ -5277,7 +5882,11 @@
             <a:pPr lvl="0"/>
             <a:r>
               <a:rPr lang="pl-PL" dirty="0"/>
-              <a:t>Oznake rubova nisu jednoznačne oznake → svaki rub je označen parom brojeva [od, do] koji predstavljaju pokazivače na mjesta u nizu znakova. Zato, svaki rub sadrži sufiks niza znakova, ali zauzima samo O(1) memorije.</a:t>
+              <a:t>Oznake rubova nisu jednoznačne oznake → svaki rub je označen parom brojeva [od, do] koji predstavljaju pokazivače na mjesta u nizu znakova. Zato, svaki rub sadrži sufiks niza znakova, ali zauzima samo O(1) </a:t>
+            </a:r>
+            <a:r>
+              <a:rPr lang="pl-PL" dirty="0" smtClean="0"/>
+              <a:t>memorije – kompresija podataka.</a:t>
             </a:r>
             <a:endParaRPr lang="hr-HR" dirty="0"/>
           </a:p>
@@ -5800,30 +6409,6 @@
           <a:chExt cx="0" cy="0"/>
         </a:xfrm>
       </p:grpSpPr>
-      <p:sp>
-        <p:nvSpPr>
-          <p:cNvPr id="3" name="Content Placeholder 2"/>
-          <p:cNvSpPr>
-            <a:spLocks noGrp="1"/>
-          </p:cNvSpPr>
-          <p:nvPr>
-            <p:ph idx="1"/>
-          </p:nvPr>
-        </p:nvSpPr>
-        <p:spPr>
-          <a:xfrm>
-            <a:off x="571499" y="495153"/>
-            <a:ext cx="10515600" cy="5791952"/>
-          </a:xfrm>
-        </p:spPr>
-        <p:txBody>
-          <a:bodyPr/>
-          <a:lstStyle/>
-          <a:p>
-            <a:endParaRPr lang="hr-HR" dirty="0"/>
-          </a:p>
-        </p:txBody>
-      </p:sp>
       <p:pic>
         <p:nvPicPr>
           <p:cNvPr id="4" name="Picture 3"/>
@@ -6962,7 +7547,7 @@
     </a:clrScheme>
     <a:fontScheme name="Office">
       <a:majorFont>
-        <a:latin typeface="Calibri Light" panose="020F0302020204030204"/>
+        <a:latin typeface="Calibri Light"/>
         <a:ea typeface=""/>
         <a:cs typeface=""/>
         <a:font script="Jpan" typeface="ＭＳ Ｐゴシック"/>
@@ -6997,7 +7582,7 @@
         <a:font script="Geor" typeface="Sylfaen"/>
       </a:majorFont>
       <a:minorFont>
-        <a:latin typeface="Calibri" panose="020F0502020204030204"/>
+        <a:latin typeface="Calibri"/>
         <a:ea typeface=""/>
         <a:cs typeface=""/>
         <a:font script="Jpan" typeface="ＭＳ Ｐゴシック"/>

--- a/IMPLEMENTACIJA UKKONENOVOG ALGORITMA.pptx
+++ b/IMPLEMENTACIJA UKKONENOVOG ALGORITMA.pptx
@@ -273,7 +273,7 @@
           <a:p>
             <a:fld id="{6A094663-5ED9-416E-A43D-722CDD96389A}" type="datetimeFigureOut">
               <a:rPr lang="hr-HR" smtClean="0"/>
-              <a:t>16.1.2014.</a:t>
+              <a:t>21.1.2014.</a:t>
             </a:fld>
             <a:endParaRPr lang="hr-HR"/>
           </a:p>
@@ -443,7 +443,7 @@
           <a:p>
             <a:fld id="{6A094663-5ED9-416E-A43D-722CDD96389A}" type="datetimeFigureOut">
               <a:rPr lang="hr-HR" smtClean="0"/>
-              <a:t>16.1.2014.</a:t>
+              <a:t>21.1.2014.</a:t>
             </a:fld>
             <a:endParaRPr lang="hr-HR"/>
           </a:p>
@@ -623,7 +623,7 @@
           <a:p>
             <a:fld id="{6A094663-5ED9-416E-A43D-722CDD96389A}" type="datetimeFigureOut">
               <a:rPr lang="hr-HR" smtClean="0"/>
-              <a:t>16.1.2014.</a:t>
+              <a:t>21.1.2014.</a:t>
             </a:fld>
             <a:endParaRPr lang="hr-HR"/>
           </a:p>
@@ -793,7 +793,7 @@
           <a:p>
             <a:fld id="{6A094663-5ED9-416E-A43D-722CDD96389A}" type="datetimeFigureOut">
               <a:rPr lang="hr-HR" smtClean="0"/>
-              <a:t>16.1.2014.</a:t>
+              <a:t>21.1.2014.</a:t>
             </a:fld>
             <a:endParaRPr lang="hr-HR"/>
           </a:p>
@@ -1039,7 +1039,7 @@
           <a:p>
             <a:fld id="{6A094663-5ED9-416E-A43D-722CDD96389A}" type="datetimeFigureOut">
               <a:rPr lang="hr-HR" smtClean="0"/>
-              <a:t>16.1.2014.</a:t>
+              <a:t>21.1.2014.</a:t>
             </a:fld>
             <a:endParaRPr lang="hr-HR"/>
           </a:p>
@@ -1271,7 +1271,7 @@
           <a:p>
             <a:fld id="{6A094663-5ED9-416E-A43D-722CDD96389A}" type="datetimeFigureOut">
               <a:rPr lang="hr-HR" smtClean="0"/>
-              <a:t>16.1.2014.</a:t>
+              <a:t>21.1.2014.</a:t>
             </a:fld>
             <a:endParaRPr lang="hr-HR"/>
           </a:p>
@@ -1638,7 +1638,7 @@
           <a:p>
             <a:fld id="{6A094663-5ED9-416E-A43D-722CDD96389A}" type="datetimeFigureOut">
               <a:rPr lang="hr-HR" smtClean="0"/>
-              <a:t>16.1.2014.</a:t>
+              <a:t>21.1.2014.</a:t>
             </a:fld>
             <a:endParaRPr lang="hr-HR"/>
           </a:p>
@@ -1756,7 +1756,7 @@
           <a:p>
             <a:fld id="{6A094663-5ED9-416E-A43D-722CDD96389A}" type="datetimeFigureOut">
               <a:rPr lang="hr-HR" smtClean="0"/>
-              <a:t>16.1.2014.</a:t>
+              <a:t>21.1.2014.</a:t>
             </a:fld>
             <a:endParaRPr lang="hr-HR"/>
           </a:p>
@@ -1851,7 +1851,7 @@
           <a:p>
             <a:fld id="{6A094663-5ED9-416E-A43D-722CDD96389A}" type="datetimeFigureOut">
               <a:rPr lang="hr-HR" smtClean="0"/>
-              <a:t>16.1.2014.</a:t>
+              <a:t>21.1.2014.</a:t>
             </a:fld>
             <a:endParaRPr lang="hr-HR"/>
           </a:p>
@@ -2128,7 +2128,7 @@
           <a:p>
             <a:fld id="{6A094663-5ED9-416E-A43D-722CDD96389A}" type="datetimeFigureOut">
               <a:rPr lang="hr-HR" smtClean="0"/>
-              <a:t>16.1.2014.</a:t>
+              <a:t>21.1.2014.</a:t>
             </a:fld>
             <a:endParaRPr lang="hr-HR"/>
           </a:p>
@@ -2381,7 +2381,7 @@
           <a:p>
             <a:fld id="{6A094663-5ED9-416E-A43D-722CDD96389A}" type="datetimeFigureOut">
               <a:rPr lang="hr-HR" smtClean="0"/>
-              <a:t>16.1.2014.</a:t>
+              <a:t>21.1.2014.</a:t>
             </a:fld>
             <a:endParaRPr lang="hr-HR"/>
           </a:p>
@@ -2594,7 +2594,7 @@
           <a:p>
             <a:fld id="{6A094663-5ED9-416E-A43D-722CDD96389A}" type="datetimeFigureOut">
               <a:rPr lang="hr-HR" smtClean="0"/>
-              <a:t>16.1.2014.</a:t>
+              <a:t>21.1.2014.</a:t>
             </a:fld>
             <a:endParaRPr lang="hr-HR"/>
           </a:p>
@@ -4992,15 +4992,19 @@
             </a:r>
             <a:r>
               <a:rPr lang="hr-HR" dirty="0" smtClean="0"/>
-              <a:t>, brza izvedba – 101sec za niz od cca 500 000 slova, prikazani je </a:t>
-            </a:r>
-            <a:r>
-              <a:rPr lang="hr-HR" dirty="0" err="1" smtClean="0"/>
-              <a:t>abcabxabcd</a:t>
+              <a:t>, </a:t>
             </a:r>
             <a:r>
               <a:rPr lang="hr-HR" dirty="0" smtClean="0"/>
-              <a:t> – 0.004 </a:t>
+              <a:t>izvedba </a:t>
+            </a:r>
+            <a:r>
+              <a:rPr lang="hr-HR" dirty="0" smtClean="0"/>
+              <a:t>– </a:t>
+            </a:r>
+            <a:r>
+              <a:rPr lang="hr-HR" dirty="0" smtClean="0"/>
+              <a:t>56,884 </a:t>
             </a:r>
             <a:r>
               <a:rPr lang="hr-HR" dirty="0" err="1" smtClean="0"/>
@@ -5008,6 +5012,38 @@
             </a:r>
             <a:r>
               <a:rPr lang="hr-HR" dirty="0" smtClean="0"/>
+              <a:t> </a:t>
+            </a:r>
+            <a:r>
+              <a:rPr lang="hr-HR" dirty="0" smtClean="0"/>
+              <a:t>za niz od cca </a:t>
+            </a:r>
+            <a:r>
+              <a:rPr lang="hr-HR" dirty="0" smtClean="0"/>
+              <a:t>1700 slova, za </a:t>
+            </a:r>
+            <a:r>
+              <a:rPr lang="hr-HR" i="1" dirty="0" err="1" smtClean="0"/>
+              <a:t>abcabxabcd</a:t>
+            </a:r>
+            <a:r>
+              <a:rPr lang="hr-HR" i="1" dirty="0" smtClean="0"/>
+              <a:t> </a:t>
+            </a:r>
+            <a:r>
+              <a:rPr lang="hr-HR" dirty="0" smtClean="0"/>
+              <a:t>– </a:t>
+            </a:r>
+            <a:r>
+              <a:rPr lang="hr-HR" dirty="0" smtClean="0"/>
+              <a:t>0.004 </a:t>
+            </a:r>
+            <a:r>
+              <a:rPr lang="hr-HR" dirty="0" err="1" smtClean="0"/>
+              <a:t>sec</a:t>
+            </a:r>
+            <a:r>
+              <a:rPr lang="hr-HR" dirty="0" smtClean="0"/>
               <a:t>.</a:t>
             </a:r>
           </a:p>
@@ -5019,6 +5055,36 @@
             <a:r>
               <a:rPr lang="hr-HR" dirty="0" smtClean="0"/>
               <a:t> studio ograničava procesor na 50% snage </a:t>
+            </a:r>
+            <a:r>
+              <a:rPr lang="hr-HR" dirty="0" smtClean="0"/>
+              <a:t>– mogući bolji rezultati.</a:t>
+            </a:r>
+          </a:p>
+          <a:p>
+            <a:r>
+              <a:rPr lang="hr-HR" dirty="0" smtClean="0"/>
+              <a:t>Memorija - ~ 2-3 MB, javlja se memorijska greška nakon 10000 znakova, moguće zbog </a:t>
+            </a:r>
+            <a:r>
+              <a:rPr lang="hr-HR" dirty="0" err="1" smtClean="0"/>
+              <a:t>hashmap</a:t>
+            </a:r>
+            <a:r>
+              <a:rPr lang="hr-HR" dirty="0" smtClean="0"/>
+              <a:t>-e koja </a:t>
+            </a:r>
+            <a:r>
+              <a:rPr lang="hr-HR" dirty="0" err="1" smtClean="0"/>
+              <a:t>random</a:t>
+            </a:r>
+            <a:r>
+              <a:rPr lang="hr-HR" dirty="0" smtClean="0"/>
+              <a:t> alocira memoriju</a:t>
+            </a:r>
+            <a:r>
+              <a:rPr lang="hr-HR" dirty="0" smtClean="0"/>
+              <a:t/>
             </a:r>
             <a:br>
               <a:rPr lang="hr-HR" dirty="0" smtClean="0"/>
@@ -5032,56 +5098,26 @@
       </p:sp>
       <p:pic>
         <p:nvPicPr>
-          <p:cNvPr id="1027" name="Picture 1"/>
+          <p:cNvPr id="4" name="Picture 3"/>
           <p:cNvPicPr>
-            <a:picLocks noChangeAspect="1" noChangeArrowheads="1"/>
+            <a:picLocks noChangeAspect="1"/>
           </p:cNvPicPr>
           <p:nvPr/>
         </p:nvPicPr>
         <p:blipFill>
-          <a:blip r:embed="rId2">
-            <a:extLst>
-              <a:ext uri="{28A0092B-C50C-407E-A947-70E740481C1C}">
-                <a14:useLocalDpi xmlns:a14="http://schemas.microsoft.com/office/drawing/2010/main" val="0"/>
-              </a:ext>
-            </a:extLst>
-          </a:blip>
-          <a:srcRect/>
+          <a:blip r:embed="rId2"/>
           <a:stretch>
             <a:fillRect/>
           </a:stretch>
         </p:blipFill>
-        <p:spPr bwMode="auto">
-          <a:xfrm>
-            <a:off x="1881690" y="3241258"/>
-            <a:ext cx="7545272" cy="3616742"/>
+        <p:spPr>
+          <a:xfrm>
+            <a:off x="2752725" y="4375232"/>
+            <a:ext cx="9439275" cy="2390775"/>
           </a:xfrm>
           <a:prstGeom prst="rect">
             <a:avLst/>
           </a:prstGeom>
-          <a:noFill/>
-          <a:ln>
-            <a:noFill/>
-          </a:ln>
-          <a:extLst>
-            <a:ext uri="{909E8E84-426E-40DD-AFC4-6F175D3DCCD1}">
-              <a14:hiddenFill xmlns:a14="http://schemas.microsoft.com/office/drawing/2010/main">
-                <a:solidFill>
-                  <a:srgbClr val="FFFFFF"/>
-                </a:solidFill>
-              </a14:hiddenFill>
-            </a:ext>
-            <a:ext uri="{91240B29-F687-4F45-9708-019B960494DF}">
-              <a14:hiddenLine xmlns:a14="http://schemas.microsoft.com/office/drawing/2010/main" w="9525">
-                <a:solidFill>
-                  <a:srgbClr val="000000"/>
-                </a:solidFill>
-                <a:miter lim="800000"/>
-                <a:headEnd/>
-                <a:tailEnd/>
-              </a14:hiddenLine>
-            </a:ext>
-          </a:extLst>
         </p:spPr>
       </p:pic>
     </p:spTree>
@@ -5193,11 +5229,7 @@
           <a:p>
             <a:r>
               <a:rPr lang="hr-HR" dirty="0" smtClean="0"/>
-              <a:t>Za </a:t>
-            </a:r>
-            <a:r>
-              <a:rPr lang="hr-HR" dirty="0" smtClean="0"/>
-              <a:t>veće nizove</a:t>
+              <a:t>Za veće nizove</a:t>
             </a:r>
           </a:p>
           <a:p>
@@ -5372,8 +5404,17 @@
           <a:p>
             <a:r>
               <a:rPr lang="hr-HR" dirty="0" smtClean="0"/>
-              <a:t>Mnogo grešaka u našim programima</a:t>
-            </a:r>
+              <a:t>Mnogo grešaka u našim </a:t>
+            </a:r>
+            <a:r>
+              <a:rPr lang="hr-HR" dirty="0" smtClean="0"/>
+              <a:t>programima – </a:t>
+            </a:r>
+            <a:r>
+              <a:rPr lang="hr-HR" smtClean="0"/>
+              <a:t>konstantan rad na tome</a:t>
+            </a:r>
+            <a:endParaRPr lang="hr-HR" dirty="0" smtClean="0"/>
           </a:p>
           <a:p>
             <a:r>
@@ -5470,7 +5511,9 @@
         </p:nvSpPr>
         <p:spPr/>
         <p:txBody>
-          <a:bodyPr/>
+          <a:bodyPr>
+            <a:normAutofit lnSpcReduction="10000"/>
+          </a:bodyPr>
           <a:lstStyle/>
           <a:p>
             <a:r>

--- a/IMPLEMENTACIJA UKKONENOVOG ALGORITMA.pptx
+++ b/IMPLEMENTACIJA UKKONENOVOG ALGORITMA.pptx
@@ -273,7 +273,7 @@
           <a:p>
             <a:fld id="{6A094663-5ED9-416E-A43D-722CDD96389A}" type="datetimeFigureOut">
               <a:rPr lang="hr-HR" smtClean="0"/>
-              <a:t>21.1.2014.</a:t>
+              <a:t>22.1.2014.</a:t>
             </a:fld>
             <a:endParaRPr lang="hr-HR"/>
           </a:p>
@@ -443,7 +443,7 @@
           <a:p>
             <a:fld id="{6A094663-5ED9-416E-A43D-722CDD96389A}" type="datetimeFigureOut">
               <a:rPr lang="hr-HR" smtClean="0"/>
-              <a:t>21.1.2014.</a:t>
+              <a:t>22.1.2014.</a:t>
             </a:fld>
             <a:endParaRPr lang="hr-HR"/>
           </a:p>
@@ -623,7 +623,7 @@
           <a:p>
             <a:fld id="{6A094663-5ED9-416E-A43D-722CDD96389A}" type="datetimeFigureOut">
               <a:rPr lang="hr-HR" smtClean="0"/>
-              <a:t>21.1.2014.</a:t>
+              <a:t>22.1.2014.</a:t>
             </a:fld>
             <a:endParaRPr lang="hr-HR"/>
           </a:p>
@@ -793,7 +793,7 @@
           <a:p>
             <a:fld id="{6A094663-5ED9-416E-A43D-722CDD96389A}" type="datetimeFigureOut">
               <a:rPr lang="hr-HR" smtClean="0"/>
-              <a:t>21.1.2014.</a:t>
+              <a:t>22.1.2014.</a:t>
             </a:fld>
             <a:endParaRPr lang="hr-HR"/>
           </a:p>
@@ -1039,7 +1039,7 @@
           <a:p>
             <a:fld id="{6A094663-5ED9-416E-A43D-722CDD96389A}" type="datetimeFigureOut">
               <a:rPr lang="hr-HR" smtClean="0"/>
-              <a:t>21.1.2014.</a:t>
+              <a:t>22.1.2014.</a:t>
             </a:fld>
             <a:endParaRPr lang="hr-HR"/>
           </a:p>
@@ -1271,7 +1271,7 @@
           <a:p>
             <a:fld id="{6A094663-5ED9-416E-A43D-722CDD96389A}" type="datetimeFigureOut">
               <a:rPr lang="hr-HR" smtClean="0"/>
-              <a:t>21.1.2014.</a:t>
+              <a:t>22.1.2014.</a:t>
             </a:fld>
             <a:endParaRPr lang="hr-HR"/>
           </a:p>
@@ -1638,7 +1638,7 @@
           <a:p>
             <a:fld id="{6A094663-5ED9-416E-A43D-722CDD96389A}" type="datetimeFigureOut">
               <a:rPr lang="hr-HR" smtClean="0"/>
-              <a:t>21.1.2014.</a:t>
+              <a:t>22.1.2014.</a:t>
             </a:fld>
             <a:endParaRPr lang="hr-HR"/>
           </a:p>
@@ -1756,7 +1756,7 @@
           <a:p>
             <a:fld id="{6A094663-5ED9-416E-A43D-722CDD96389A}" type="datetimeFigureOut">
               <a:rPr lang="hr-HR" smtClean="0"/>
-              <a:t>21.1.2014.</a:t>
+              <a:t>22.1.2014.</a:t>
             </a:fld>
             <a:endParaRPr lang="hr-HR"/>
           </a:p>
@@ -1851,7 +1851,7 @@
           <a:p>
             <a:fld id="{6A094663-5ED9-416E-A43D-722CDD96389A}" type="datetimeFigureOut">
               <a:rPr lang="hr-HR" smtClean="0"/>
-              <a:t>21.1.2014.</a:t>
+              <a:t>22.1.2014.</a:t>
             </a:fld>
             <a:endParaRPr lang="hr-HR"/>
           </a:p>
@@ -2128,7 +2128,7 @@
           <a:p>
             <a:fld id="{6A094663-5ED9-416E-A43D-722CDD96389A}" type="datetimeFigureOut">
               <a:rPr lang="hr-HR" smtClean="0"/>
-              <a:t>21.1.2014.</a:t>
+              <a:t>22.1.2014.</a:t>
             </a:fld>
             <a:endParaRPr lang="hr-HR"/>
           </a:p>
@@ -2381,7 +2381,7 @@
           <a:p>
             <a:fld id="{6A094663-5ED9-416E-A43D-722CDD96389A}" type="datetimeFigureOut">
               <a:rPr lang="hr-HR" smtClean="0"/>
-              <a:t>21.1.2014.</a:t>
+              <a:t>22.1.2014.</a:t>
             </a:fld>
             <a:endParaRPr lang="hr-HR"/>
           </a:p>
@@ -2594,7 +2594,7 @@
           <a:p>
             <a:fld id="{6A094663-5ED9-416E-A43D-722CDD96389A}" type="datetimeFigureOut">
               <a:rPr lang="hr-HR" smtClean="0"/>
-              <a:t>21.1.2014.</a:t>
+              <a:t>22.1.2014.</a:t>
             </a:fld>
             <a:endParaRPr lang="hr-HR"/>
           </a:p>
@@ -4979,7 +4979,9 @@
         </p:nvSpPr>
         <p:spPr/>
         <p:txBody>
-          <a:bodyPr/>
+          <a:bodyPr>
+            <a:normAutofit fontScale="92500" lnSpcReduction="10000"/>
+          </a:bodyPr>
           <a:lstStyle/>
           <a:p>
             <a:r>
@@ -4994,17 +4996,11 @@
               <a:rPr lang="hr-HR" dirty="0" smtClean="0"/>
               <a:t>, </a:t>
             </a:r>
+          </a:p>
+          <a:p>
             <a:r>
               <a:rPr lang="hr-HR" dirty="0" smtClean="0"/>
-              <a:t>izvedba </a:t>
-            </a:r>
-            <a:r>
-              <a:rPr lang="hr-HR" dirty="0" smtClean="0"/>
-              <a:t>– </a:t>
-            </a:r>
-            <a:r>
-              <a:rPr lang="hr-HR" dirty="0" smtClean="0"/>
-              <a:t>56,884 </a:t>
+              <a:t>izvedba – 47.51 </a:t>
             </a:r>
             <a:r>
               <a:rPr lang="hr-HR" dirty="0" err="1" smtClean="0"/>
@@ -5012,15 +5008,25 @@
             </a:r>
             <a:r>
               <a:rPr lang="hr-HR" dirty="0" smtClean="0"/>
-              <a:t> </a:t>
-            </a:r>
+              <a:t> za niz od </a:t>
+            </a:r>
+          </a:p>
+          <a:p>
+            <a:pPr marL="0" indent="0">
+              <a:buNone/>
+            </a:pPr>
             <a:r>
               <a:rPr lang="hr-HR" dirty="0" smtClean="0"/>
-              <a:t>za niz od cca </a:t>
-            </a:r>
+              <a:t>cca 1700 slova, </a:t>
+            </a:r>
+          </a:p>
+          <a:p>
+            <a:pPr marL="0" indent="0">
+              <a:buNone/>
+            </a:pPr>
             <a:r>
               <a:rPr lang="hr-HR" dirty="0" smtClean="0"/>
-              <a:t>1700 slova, za </a:t>
+              <a:t>za </a:t>
             </a:r>
             <a:r>
               <a:rPr lang="hr-HR" i="1" dirty="0" err="1" smtClean="0"/>
@@ -5032,11 +5038,7 @@
             </a:r>
             <a:r>
               <a:rPr lang="hr-HR" dirty="0" smtClean="0"/>
-              <a:t>– </a:t>
-            </a:r>
-            <a:r>
-              <a:rPr lang="hr-HR" dirty="0" smtClean="0"/>
-              <a:t>0.004 </a:t>
+              <a:t>– 0.004 </a:t>
             </a:r>
             <a:r>
               <a:rPr lang="hr-HR" dirty="0" err="1" smtClean="0"/>
@@ -5044,7 +5046,7 @@
             </a:r>
             <a:r>
               <a:rPr lang="hr-HR" dirty="0" smtClean="0"/>
-              <a:t>.</a:t>
+              <a:t>. </a:t>
             </a:r>
           </a:p>
           <a:p>
@@ -5054,37 +5056,42 @@
             </a:r>
             <a:r>
               <a:rPr lang="hr-HR" dirty="0" smtClean="0"/>
-              <a:t> studio ograničava procesor na 50% snage </a:t>
-            </a:r>
+              <a:t> studio ograničava procesor </a:t>
+            </a:r>
+          </a:p>
+          <a:p>
             <a:r>
               <a:rPr lang="hr-HR" dirty="0" smtClean="0"/>
-              <a:t>– mogući bolji rezultati.</a:t>
+              <a:t>na 50% snage – mogući bolji rezultati.</a:t>
             </a:r>
           </a:p>
           <a:p>
             <a:r>
               <a:rPr lang="hr-HR" dirty="0" smtClean="0"/>
-              <a:t>Memorija - ~ 2-3 MB, javlja se memorijska greška nakon 10000 znakova, moguće zbog </a:t>
-            </a:r>
-            <a:r>
-              <a:rPr lang="hr-HR" dirty="0" err="1" smtClean="0"/>
-              <a:t>hashmap</a:t>
+              <a:t>Memorija - ~ 2-3 </a:t>
             </a:r>
             <a:r>
               <a:rPr lang="hr-HR" dirty="0" smtClean="0"/>
-              <a:t>-e koja </a:t>
-            </a:r>
-            <a:r>
-              <a:rPr lang="hr-HR" dirty="0" err="1" smtClean="0"/>
-              <a:t>random</a:t>
+              <a:t>MB</a:t>
+            </a:r>
+            <a:r>
+              <a:rPr lang="hr-HR" dirty="0"/>
+              <a:t> </a:t>
             </a:r>
             <a:r>
               <a:rPr lang="hr-HR" dirty="0" smtClean="0"/>
-              <a:t> alocira memoriju</a:t>
-            </a:r>
+              <a:t>proces, </a:t>
+            </a:r>
+            <a:r>
+              <a:rPr lang="hr-HR" smtClean="0"/>
+              <a:t>veličina se malo mijenjala..</a:t>
+            </a:r>
+            <a:endParaRPr lang="hr-HR" dirty="0" smtClean="0"/>
+          </a:p>
+          <a:p>
             <a:r>
               <a:rPr lang="hr-HR" dirty="0" smtClean="0"/>
-              <a:t/>
+              <a:t>Rezultati ovisni o nizu – uz više ponavljanja sporija izvedba, uz manje ponavljanja brža izvedba</a:t>
             </a:r>
             <a:br>
               <a:rPr lang="hr-HR" dirty="0" smtClean="0"/>
@@ -5098,7 +5105,7 @@
       </p:sp>
       <p:pic>
         <p:nvPicPr>
-          <p:cNvPr id="4" name="Picture 3"/>
+          <p:cNvPr id="5" name="Picture 4"/>
           <p:cNvPicPr>
             <a:picLocks noChangeAspect="1"/>
           </p:cNvPicPr>
@@ -5112,8 +5119,8 @@
         </p:blipFill>
         <p:spPr>
           <a:xfrm>
-            <a:off x="2752725" y="4375232"/>
-            <a:ext cx="9439275" cy="2390775"/>
+            <a:off x="7273468" y="790031"/>
+            <a:ext cx="4878427" cy="3757906"/>
           </a:xfrm>
           <a:prstGeom prst="rect">
             <a:avLst/>
@@ -5404,11 +5411,7 @@
           <a:p>
             <a:r>
               <a:rPr lang="hr-HR" dirty="0" smtClean="0"/>
-              <a:t>Mnogo grešaka u našim </a:t>
-            </a:r>
-            <a:r>
-              <a:rPr lang="hr-HR" dirty="0" smtClean="0"/>
-              <a:t>programima – </a:t>
+              <a:t>Mnogo grešaka u našim programima – </a:t>
             </a:r>
             <a:r>
               <a:rPr lang="hr-HR" smtClean="0"/>
